--- a/Java_2021/SpringBoot_Reading_Query_String/SpringBoot_Reading Query String Request Parameters.pptx
+++ b/Java_2021/SpringBoot_Reading_Query_String/SpringBoot_Reading Query String Request Parameters.pptx
@@ -222,7 +222,7 @@
           <a:p>
             <a:fld id="{62274EC6-3890-417B-9308-14EFBD00FA63}" type="datetimeFigureOut">
               <a:rPr lang="en-US" smtClean="0"/>
-              <a:t>4/12/2021</a:t>
+              <a:t>4/13/2021</a:t>
             </a:fld>
             <a:endParaRPr lang="en-US" dirty="0"/>
           </a:p>
@@ -758,7 +758,7 @@
             <a:fld id="{1D8BD707-D9CF-40AE-B4C6-C98DA3205C09}" type="datetimeFigureOut">
               <a:rPr lang="en-US" smtClean="0"/>
               <a:pPr/>
-              <a:t>4/12/2021</a:t>
+              <a:t>4/13/2021</a:t>
             </a:fld>
             <a:endParaRPr lang="en-US" dirty="0"/>
           </a:p>
@@ -928,7 +928,7 @@
             <a:fld id="{1D8BD707-D9CF-40AE-B4C6-C98DA3205C09}" type="datetimeFigureOut">
               <a:rPr lang="en-US" smtClean="0"/>
               <a:pPr/>
-              <a:t>4/12/2021</a:t>
+              <a:t>4/13/2021</a:t>
             </a:fld>
             <a:endParaRPr lang="en-US" dirty="0"/>
           </a:p>
@@ -1108,7 +1108,7 @@
             <a:fld id="{1D8BD707-D9CF-40AE-B4C6-C98DA3205C09}" type="datetimeFigureOut">
               <a:rPr lang="en-US" smtClean="0"/>
               <a:pPr/>
-              <a:t>4/12/2021</a:t>
+              <a:t>4/13/2021</a:t>
             </a:fld>
             <a:endParaRPr lang="en-US" dirty="0"/>
           </a:p>
@@ -1278,7 +1278,7 @@
             <a:fld id="{1D8BD707-D9CF-40AE-B4C6-C98DA3205C09}" type="datetimeFigureOut">
               <a:rPr lang="en-US" smtClean="0"/>
               <a:pPr/>
-              <a:t>4/12/2021</a:t>
+              <a:t>4/13/2021</a:t>
             </a:fld>
             <a:endParaRPr lang="en-US" dirty="0"/>
           </a:p>
@@ -1525,7 +1525,7 @@
             <a:fld id="{1D8BD707-D9CF-40AE-B4C6-C98DA3205C09}" type="datetimeFigureOut">
               <a:rPr lang="en-US" smtClean="0"/>
               <a:pPr/>
-              <a:t>4/12/2021</a:t>
+              <a:t>4/13/2021</a:t>
             </a:fld>
             <a:endParaRPr lang="en-US" dirty="0"/>
           </a:p>
@@ -1812,7 +1812,7 @@
             <a:fld id="{1D8BD707-D9CF-40AE-B4C6-C98DA3205C09}" type="datetimeFigureOut">
               <a:rPr lang="en-US" smtClean="0"/>
               <a:pPr/>
-              <a:t>4/12/2021</a:t>
+              <a:t>4/13/2021</a:t>
             </a:fld>
             <a:endParaRPr lang="en-US" dirty="0"/>
           </a:p>
@@ -2238,7 +2238,7 @@
             <a:fld id="{1D8BD707-D9CF-40AE-B4C6-C98DA3205C09}" type="datetimeFigureOut">
               <a:rPr lang="en-US" smtClean="0"/>
               <a:pPr/>
-              <a:t>4/12/2021</a:t>
+              <a:t>4/13/2021</a:t>
             </a:fld>
             <a:endParaRPr lang="en-US" dirty="0"/>
           </a:p>
@@ -2357,7 +2357,7 @@
             <a:fld id="{1D8BD707-D9CF-40AE-B4C6-C98DA3205C09}" type="datetimeFigureOut">
               <a:rPr lang="en-US" smtClean="0"/>
               <a:pPr/>
-              <a:t>4/12/2021</a:t>
+              <a:t>4/13/2021</a:t>
             </a:fld>
             <a:endParaRPr lang="en-US" dirty="0"/>
           </a:p>
@@ -2454,7 +2454,7 @@
             <a:fld id="{1D8BD707-D9CF-40AE-B4C6-C98DA3205C09}" type="datetimeFigureOut">
               <a:rPr lang="en-US" smtClean="0"/>
               <a:pPr/>
-              <a:t>4/12/2021</a:t>
+              <a:t>4/13/2021</a:t>
             </a:fld>
             <a:endParaRPr lang="en-US" dirty="0"/>
           </a:p>
@@ -2731,7 +2731,7 @@
             <a:fld id="{1D8BD707-D9CF-40AE-B4C6-C98DA3205C09}" type="datetimeFigureOut">
               <a:rPr lang="en-US" smtClean="0"/>
               <a:pPr/>
-              <a:t>4/12/2021</a:t>
+              <a:t>4/13/2021</a:t>
             </a:fld>
             <a:endParaRPr lang="en-US" dirty="0"/>
           </a:p>
@@ -2985,7 +2985,7 @@
             <a:fld id="{1D8BD707-D9CF-40AE-B4C6-C98DA3205C09}" type="datetimeFigureOut">
               <a:rPr lang="en-US" smtClean="0"/>
               <a:pPr/>
-              <a:t>4/12/2021</a:t>
+              <a:t>4/13/2021</a:t>
             </a:fld>
             <a:endParaRPr lang="en-US" dirty="0"/>
           </a:p>
@@ -3198,7 +3198,7 @@
             <a:fld id="{1D8BD707-D9CF-40AE-B4C6-C98DA3205C09}" type="datetimeFigureOut">
               <a:rPr lang="en-US" smtClean="0"/>
               <a:pPr/>
-              <a:t>4/12/2021</a:t>
+              <a:t>4/13/2021</a:t>
             </a:fld>
             <a:endParaRPr lang="en-US" dirty="0"/>
           </a:p>
@@ -3836,10 +3836,10 @@
       </p:sp>
       <p:pic>
         <p:nvPicPr>
-          <p:cNvPr id="7" name="Picture 6">
+          <p:cNvPr id="4" name="Picture 3">
             <a:extLst>
               <a:ext uri="{FF2B5EF4-FFF2-40B4-BE49-F238E27FC236}">
-                <a16:creationId xmlns:a16="http://schemas.microsoft.com/office/drawing/2014/main" id="{BFE1D574-B996-40FC-880A-8BA99C77D9DD}"/>
+                <a16:creationId xmlns:a16="http://schemas.microsoft.com/office/drawing/2014/main" id="{C8D6083F-3EB6-41F1-BF1F-640F0A886A09}"/>
               </a:ext>
             </a:extLst>
           </p:cNvPr>
@@ -3856,8 +3856,8 @@
         </p:blipFill>
         <p:spPr>
           <a:xfrm>
-            <a:off x="289915" y="1776309"/>
-            <a:ext cx="8564170" cy="1476581"/>
+            <a:off x="799573" y="1661993"/>
+            <a:ext cx="7544853" cy="1705213"/>
           </a:xfrm>
           <a:prstGeom prst="rect">
             <a:avLst/>
